--- a/ProjetoFinal/invasores do espaco.pptx
+++ b/ProjetoFinal/invasores do espaco.pptx
@@ -8,10 +8,11 @@
     <p:sldId id="256" r:id="rId2"/>
     <p:sldId id="259" r:id="rId3"/>
     <p:sldId id="261" r:id="rId4"/>
-    <p:sldId id="258" r:id="rId5"/>
-    <p:sldId id="263" r:id="rId6"/>
-    <p:sldId id="262" r:id="rId7"/>
-    <p:sldId id="260" r:id="rId8"/>
+    <p:sldId id="264" r:id="rId5"/>
+    <p:sldId id="265" r:id="rId6"/>
+    <p:sldId id="258" r:id="rId7"/>
+    <p:sldId id="263" r:id="rId8"/>
+    <p:sldId id="262" r:id="rId9"/>
   </p:sldIdLst>
   <p:sldSz cx="12192000" cy="6858000"/>
   <p:notesSz cx="6858000" cy="9144000"/>
@@ -118,6 +119,14 @@
 </p:presentation>
 </file>
 
+<file path=ppt/revisionInfo.xml><?xml version="1.0" encoding="utf-8"?>
+<p1510:revInfo xmlns:a="http://schemas.openxmlformats.org/drawingml/2006/main" xmlns:r="http://schemas.openxmlformats.org/officeDocument/2006/relationships" xmlns:p1510="http://schemas.microsoft.com/office/powerpoint/2015/10/main">
+  <p1510:revLst>
+    <p1510:client id="{6088B92E-A616-478A-B569-8539931DBEF7}" v="1282" dt="2018-07-03T16:26:46.788"/>
+  </p1510:revLst>
+</p1510:revInfo>
+</file>
+
 <file path=ppt/changesInfos/changesInfo1.xml><?xml version="1.0" encoding="utf-8"?>
 <pc:chgInfo xmlns:a="http://schemas.openxmlformats.org/drawingml/2006/main" xmlns:r="http://schemas.openxmlformats.org/officeDocument/2006/relationships" xmlns:ac="http://schemas.microsoft.com/office/drawing/2013/main/command" xmlns:pc="http://schemas.microsoft.com/office/powerpoint/2013/main/command">
   <pc:docChgLst>
@@ -673,6 +682,382 @@
       </pc:sldChg>
     </pc:docChg>
   </pc:docChgLst>
+  <pc:docChgLst>
+    <pc:chgData name="Rodrigo Pumar" userId="05c6da525856e9fb" providerId="LiveId" clId="{6088B92E-A616-478A-B569-8539931DBEF7}"/>
+    <pc:docChg chg="custSel addSld delSld modSld">
+      <pc:chgData name="Rodrigo Pumar" userId="05c6da525856e9fb" providerId="LiveId" clId="{6088B92E-A616-478A-B569-8539931DBEF7}" dt="2018-07-03T16:26:46.788" v="1281" actId="2696"/>
+      <pc:docMkLst>
+        <pc:docMk/>
+      </pc:docMkLst>
+      <pc:sldChg chg="modSp">
+        <pc:chgData name="Rodrigo Pumar" userId="05c6da525856e9fb" providerId="LiveId" clId="{6088B92E-A616-478A-B569-8539931DBEF7}" dt="2018-07-03T16:02:42.125" v="8" actId="20577"/>
+        <pc:sldMkLst>
+          <pc:docMk/>
+          <pc:sldMk cId="1909973525" sldId="256"/>
+        </pc:sldMkLst>
+        <pc:spChg chg="mod">
+          <ac:chgData name="Rodrigo Pumar" userId="05c6da525856e9fb" providerId="LiveId" clId="{6088B92E-A616-478A-B569-8539931DBEF7}" dt="2018-07-03T16:02:42.125" v="8" actId="20577"/>
+          <ac:spMkLst>
+            <pc:docMk/>
+            <pc:sldMk cId="1909973525" sldId="256"/>
+            <ac:spMk id="2" creationId="{971E083B-B744-4214-8EF1-04C588B618CE}"/>
+          </ac:spMkLst>
+        </pc:spChg>
+      </pc:sldChg>
+      <pc:sldChg chg="addSp delSp modSp">
+        <pc:chgData name="Rodrigo Pumar" userId="05c6da525856e9fb" providerId="LiveId" clId="{6088B92E-A616-478A-B569-8539931DBEF7}" dt="2018-07-03T16:17:46.959" v="394" actId="1076"/>
+        <pc:sldMkLst>
+          <pc:docMk/>
+          <pc:sldMk cId="3095398106" sldId="258"/>
+        </pc:sldMkLst>
+        <pc:spChg chg="mod">
+          <ac:chgData name="Rodrigo Pumar" userId="05c6da525856e9fb" providerId="LiveId" clId="{6088B92E-A616-478A-B569-8539931DBEF7}" dt="2018-07-03T16:15:59.724" v="384" actId="27636"/>
+          <ac:spMkLst>
+            <pc:docMk/>
+            <pc:sldMk cId="3095398106" sldId="258"/>
+            <ac:spMk id="2" creationId="{3903607A-2BE4-4629-BDD1-CC068A17FAD5}"/>
+          </ac:spMkLst>
+        </pc:spChg>
+        <pc:spChg chg="add del mod">
+          <ac:chgData name="Rodrigo Pumar" userId="05c6da525856e9fb" providerId="LiveId" clId="{6088B92E-A616-478A-B569-8539931DBEF7}" dt="2018-07-03T16:14:52.389" v="369" actId="478"/>
+          <ac:spMkLst>
+            <pc:docMk/>
+            <pc:sldMk cId="3095398106" sldId="258"/>
+            <ac:spMk id="4" creationId="{2F02EC14-9EB3-43CE-ABD6-3E719DB578F7}"/>
+          </ac:spMkLst>
+        </pc:spChg>
+        <pc:picChg chg="add mod">
+          <ac:chgData name="Rodrigo Pumar" userId="05c6da525856e9fb" providerId="LiveId" clId="{6088B92E-A616-478A-B569-8539931DBEF7}" dt="2018-07-03T16:16:00.725" v="385" actId="1076"/>
+          <ac:picMkLst>
+            <pc:docMk/>
+            <pc:sldMk cId="3095398106" sldId="258"/>
+            <ac:picMk id="5" creationId="{A567A3F7-001B-4170-870F-B3BCB9AF06F3}"/>
+          </ac:picMkLst>
+        </pc:picChg>
+        <pc:picChg chg="add mod">
+          <ac:chgData name="Rodrigo Pumar" userId="05c6da525856e9fb" providerId="LiveId" clId="{6088B92E-A616-478A-B569-8539931DBEF7}" dt="2018-07-03T16:17:09.801" v="387" actId="1076"/>
+          <ac:picMkLst>
+            <pc:docMk/>
+            <pc:sldMk cId="3095398106" sldId="258"/>
+            <ac:picMk id="6" creationId="{EEA97F81-9197-4343-9FC7-AB885B43769E}"/>
+          </ac:picMkLst>
+        </pc:picChg>
+        <pc:picChg chg="del">
+          <ac:chgData name="Rodrigo Pumar" userId="05c6da525856e9fb" providerId="LiveId" clId="{6088B92E-A616-478A-B569-8539931DBEF7}" dt="2018-07-03T16:14:50.110" v="368" actId="478"/>
+          <ac:picMkLst>
+            <pc:docMk/>
+            <pc:sldMk cId="3095398106" sldId="258"/>
+            <ac:picMk id="7" creationId="{C477E91D-9678-4F90-9E6C-29B8717A3F4B}"/>
+          </ac:picMkLst>
+        </pc:picChg>
+        <pc:picChg chg="del">
+          <ac:chgData name="Rodrigo Pumar" userId="05c6da525856e9fb" providerId="LiveId" clId="{6088B92E-A616-478A-B569-8539931DBEF7}" dt="2018-07-03T16:14:53.170" v="370" actId="478"/>
+          <ac:picMkLst>
+            <pc:docMk/>
+            <pc:sldMk cId="3095398106" sldId="258"/>
+            <ac:picMk id="8" creationId="{5C966D4A-9109-4825-9B36-268B6CCBE68F}"/>
+          </ac:picMkLst>
+        </pc:picChg>
+        <pc:picChg chg="add mod">
+          <ac:chgData name="Rodrigo Pumar" userId="05c6da525856e9fb" providerId="LiveId" clId="{6088B92E-A616-478A-B569-8539931DBEF7}" dt="2018-07-03T16:17:42.799" v="390" actId="1076"/>
+          <ac:picMkLst>
+            <pc:docMk/>
+            <pc:sldMk cId="3095398106" sldId="258"/>
+            <ac:picMk id="9" creationId="{D5EAED61-646B-4A6F-B3D3-E8FDC2ACD811}"/>
+          </ac:picMkLst>
+        </pc:picChg>
+        <pc:picChg chg="mod">
+          <ac:chgData name="Rodrigo Pumar" userId="05c6da525856e9fb" providerId="LiveId" clId="{6088B92E-A616-478A-B569-8539931DBEF7}" dt="2018-07-03T16:17:46.959" v="394" actId="1076"/>
+          <ac:picMkLst>
+            <pc:docMk/>
+            <pc:sldMk cId="3095398106" sldId="258"/>
+            <ac:picMk id="10" creationId="{57959411-203F-4467-BAE5-23A45E278CA8}"/>
+          </ac:picMkLst>
+        </pc:picChg>
+      </pc:sldChg>
+      <pc:sldChg chg="modSp">
+        <pc:chgData name="Rodrigo Pumar" userId="05c6da525856e9fb" providerId="LiveId" clId="{6088B92E-A616-478A-B569-8539931DBEF7}" dt="2018-07-03T16:04:56.065" v="331" actId="20577"/>
+        <pc:sldMkLst>
+          <pc:docMk/>
+          <pc:sldMk cId="871577996" sldId="259"/>
+        </pc:sldMkLst>
+        <pc:spChg chg="mod">
+          <ac:chgData name="Rodrigo Pumar" userId="05c6da525856e9fb" providerId="LiveId" clId="{6088B92E-A616-478A-B569-8539931DBEF7}" dt="2018-07-03T16:04:56.065" v="331" actId="20577"/>
+          <ac:spMkLst>
+            <pc:docMk/>
+            <pc:sldMk cId="871577996" sldId="259"/>
+            <ac:spMk id="3" creationId="{8EFBC8C6-1147-4BE4-8A15-E9C423378CBE}"/>
+          </ac:spMkLst>
+        </pc:spChg>
+      </pc:sldChg>
+      <pc:sldChg chg="delSp del">
+        <pc:chgData name="Rodrigo Pumar" userId="05c6da525856e9fb" providerId="LiveId" clId="{6088B92E-A616-478A-B569-8539931DBEF7}" dt="2018-07-03T16:26:46.788" v="1281" actId="2696"/>
+        <pc:sldMkLst>
+          <pc:docMk/>
+          <pc:sldMk cId="3441606456" sldId="260"/>
+        </pc:sldMkLst>
+        <pc:picChg chg="del">
+          <ac:chgData name="Rodrigo Pumar" userId="05c6da525856e9fb" providerId="LiveId" clId="{6088B92E-A616-478A-B569-8539931DBEF7}" dt="2018-07-03T16:26:45.883" v="1280" actId="478"/>
+          <ac:picMkLst>
+            <pc:docMk/>
+            <pc:sldMk cId="3441606456" sldId="260"/>
+            <ac:picMk id="12" creationId="{F6334BD8-CD0F-4F3D-A194-B6747ADE6636}"/>
+          </ac:picMkLst>
+        </pc:picChg>
+      </pc:sldChg>
+      <pc:sldChg chg="addSp delSp modSp">
+        <pc:chgData name="Rodrigo Pumar" userId="05c6da525856e9fb" providerId="LiveId" clId="{6088B92E-A616-478A-B569-8539931DBEF7}" dt="2018-07-03T16:11:09.335" v="353" actId="1076"/>
+        <pc:sldMkLst>
+          <pc:docMk/>
+          <pc:sldMk cId="2984696490" sldId="261"/>
+        </pc:sldMkLst>
+        <pc:spChg chg="add mod">
+          <ac:chgData name="Rodrigo Pumar" userId="05c6da525856e9fb" providerId="LiveId" clId="{6088B92E-A616-478A-B569-8539931DBEF7}" dt="2018-07-03T16:05:05.268" v="335" actId="14100"/>
+          <ac:spMkLst>
+            <pc:docMk/>
+            <pc:sldMk cId="2984696490" sldId="261"/>
+            <ac:spMk id="4" creationId="{84E9F2FD-389B-43BA-A546-D6F5F776F37D}"/>
+          </ac:spMkLst>
+        </pc:spChg>
+        <pc:picChg chg="add del mod">
+          <ac:chgData name="Rodrigo Pumar" userId="05c6da525856e9fb" providerId="LiveId" clId="{6088B92E-A616-478A-B569-8539931DBEF7}" dt="2018-07-03T16:08:51.007" v="345" actId="478"/>
+          <ac:picMkLst>
+            <pc:docMk/>
+            <pc:sldMk cId="2984696490" sldId="261"/>
+            <ac:picMk id="5" creationId="{12B368F9-04AC-485E-8720-8C9EAF0DBCE6}"/>
+          </ac:picMkLst>
+        </pc:picChg>
+        <pc:picChg chg="add mod">
+          <ac:chgData name="Rodrigo Pumar" userId="05c6da525856e9fb" providerId="LiveId" clId="{6088B92E-A616-478A-B569-8539931DBEF7}" dt="2018-07-03T16:08:45.998" v="342" actId="1076"/>
+          <ac:picMkLst>
+            <pc:docMk/>
+            <pc:sldMk cId="2984696490" sldId="261"/>
+            <ac:picMk id="6" creationId="{EAAB80B9-9243-4855-8C79-536D2E11C60C}"/>
+          </ac:picMkLst>
+        </pc:picChg>
+        <pc:picChg chg="add mod">
+          <ac:chgData name="Rodrigo Pumar" userId="05c6da525856e9fb" providerId="LiveId" clId="{6088B92E-A616-478A-B569-8539931DBEF7}" dt="2018-07-03T16:09:09.747" v="349" actId="1076"/>
+          <ac:picMkLst>
+            <pc:docMk/>
+            <pc:sldMk cId="2984696490" sldId="261"/>
+            <ac:picMk id="7" creationId="{748D186C-0BC0-4204-9D5A-F5DD2729D9B9}"/>
+          </ac:picMkLst>
+        </pc:picChg>
+        <pc:picChg chg="add mod">
+          <ac:chgData name="Rodrigo Pumar" userId="05c6da525856e9fb" providerId="LiveId" clId="{6088B92E-A616-478A-B569-8539931DBEF7}" dt="2018-07-03T16:10:04.715" v="351" actId="1076"/>
+          <ac:picMkLst>
+            <pc:docMk/>
+            <pc:sldMk cId="2984696490" sldId="261"/>
+            <ac:picMk id="8" creationId="{7A9372E8-8DF2-4B55-8564-5CEFEF4B6AB5}"/>
+          </ac:picMkLst>
+        </pc:picChg>
+        <pc:picChg chg="add mod">
+          <ac:chgData name="Rodrigo Pumar" userId="05c6da525856e9fb" providerId="LiveId" clId="{6088B92E-A616-478A-B569-8539931DBEF7}" dt="2018-07-03T16:11:09.335" v="353" actId="1076"/>
+          <ac:picMkLst>
+            <pc:docMk/>
+            <pc:sldMk cId="2984696490" sldId="261"/>
+            <ac:picMk id="9" creationId="{585057BC-B1BF-481C-B344-93683D5426B3}"/>
+          </ac:picMkLst>
+        </pc:picChg>
+        <pc:picChg chg="del">
+          <ac:chgData name="Rodrigo Pumar" userId="05c6da525856e9fb" providerId="LiveId" clId="{6088B92E-A616-478A-B569-8539931DBEF7}" dt="2018-07-03T16:05:00.491" v="334" actId="478"/>
+          <ac:picMkLst>
+            <pc:docMk/>
+            <pc:sldMk cId="2984696490" sldId="261"/>
+            <ac:picMk id="11" creationId="{BCF639BB-EBFA-4E44-BE68-C5EB77A1D44E}"/>
+          </ac:picMkLst>
+        </pc:picChg>
+        <pc:picChg chg="del mod">
+          <ac:chgData name="Rodrigo Pumar" userId="05c6da525856e9fb" providerId="LiveId" clId="{6088B92E-A616-478A-B569-8539931DBEF7}" dt="2018-07-03T16:04:59.817" v="333" actId="478"/>
+          <ac:picMkLst>
+            <pc:docMk/>
+            <pc:sldMk cId="2984696490" sldId="261"/>
+            <ac:picMk id="12" creationId="{C1FAF0D0-43AB-4FA7-A0DC-42010FC55428}"/>
+          </ac:picMkLst>
+        </pc:picChg>
+        <pc:picChg chg="del">
+          <ac:chgData name="Rodrigo Pumar" userId="05c6da525856e9fb" providerId="LiveId" clId="{6088B92E-A616-478A-B569-8539931DBEF7}" dt="2018-07-03T16:05:05.809" v="336" actId="478"/>
+          <ac:picMkLst>
+            <pc:docMk/>
+            <pc:sldMk cId="2984696490" sldId="261"/>
+            <ac:picMk id="14" creationId="{7E4C10BD-7DA5-4379-95A5-CEBFAE69BAA8}"/>
+          </ac:picMkLst>
+        </pc:picChg>
+      </pc:sldChg>
+      <pc:sldChg chg="delSp modSp">
+        <pc:chgData name="Rodrigo Pumar" userId="05c6da525856e9fb" providerId="LiveId" clId="{6088B92E-A616-478A-B569-8539931DBEF7}" dt="2018-07-03T16:26:36.703" v="1279" actId="20577"/>
+        <pc:sldMkLst>
+          <pc:docMk/>
+          <pc:sldMk cId="3087570969" sldId="262"/>
+        </pc:sldMkLst>
+        <pc:spChg chg="mod">
+          <ac:chgData name="Rodrigo Pumar" userId="05c6da525856e9fb" providerId="LiveId" clId="{6088B92E-A616-478A-B569-8539931DBEF7}" dt="2018-07-03T16:21:35.400" v="439" actId="20577"/>
+          <ac:spMkLst>
+            <pc:docMk/>
+            <pc:sldMk cId="3087570969" sldId="262"/>
+            <ac:spMk id="2" creationId="{52C7E21E-FEBE-4819-A775-D0D045FE4824}"/>
+          </ac:spMkLst>
+        </pc:spChg>
+        <pc:spChg chg="mod">
+          <ac:chgData name="Rodrigo Pumar" userId="05c6da525856e9fb" providerId="LiveId" clId="{6088B92E-A616-478A-B569-8539931DBEF7}" dt="2018-07-03T16:26:36.703" v="1279" actId="20577"/>
+          <ac:spMkLst>
+            <pc:docMk/>
+            <pc:sldMk cId="3087570969" sldId="262"/>
+            <ac:spMk id="6" creationId="{7D069CBF-B4A8-430C-8976-37A7D82EF77C}"/>
+          </ac:spMkLst>
+        </pc:spChg>
+        <pc:picChg chg="del mod">
+          <ac:chgData name="Rodrigo Pumar" userId="05c6da525856e9fb" providerId="LiveId" clId="{6088B92E-A616-478A-B569-8539931DBEF7}" dt="2018-07-03T16:21:01.954" v="425" actId="478"/>
+          <ac:picMkLst>
+            <pc:docMk/>
+            <pc:sldMk cId="3087570969" sldId="262"/>
+            <ac:picMk id="3" creationId="{BAFDD2AF-A0D0-48C2-8482-97E2ED7BB6F5}"/>
+          </ac:picMkLst>
+        </pc:picChg>
+      </pc:sldChg>
+      <pc:sldChg chg="addSp delSp modSp">
+        <pc:chgData name="Rodrigo Pumar" userId="05c6da525856e9fb" providerId="LiveId" clId="{6088B92E-A616-478A-B569-8539931DBEF7}" dt="2018-07-03T16:21:10.733" v="428" actId="14100"/>
+        <pc:sldMkLst>
+          <pc:docMk/>
+          <pc:sldMk cId="3055149822" sldId="263"/>
+        </pc:sldMkLst>
+        <pc:spChg chg="mod">
+          <ac:chgData name="Rodrigo Pumar" userId="05c6da525856e9fb" providerId="LiveId" clId="{6088B92E-A616-478A-B569-8539931DBEF7}" dt="2018-07-03T16:18:54.607" v="410" actId="14100"/>
+          <ac:spMkLst>
+            <pc:docMk/>
+            <pc:sldMk cId="3055149822" sldId="263"/>
+            <ac:spMk id="2" creationId="{52C7E21E-FEBE-4819-A775-D0D045FE4824}"/>
+          </ac:spMkLst>
+        </pc:spChg>
+        <pc:spChg chg="del">
+          <ac:chgData name="Rodrigo Pumar" userId="05c6da525856e9fb" providerId="LiveId" clId="{6088B92E-A616-478A-B569-8539931DBEF7}" dt="2018-07-03T16:18:47.539" v="397"/>
+          <ac:spMkLst>
+            <pc:docMk/>
+            <pc:sldMk cId="3055149822" sldId="263"/>
+            <ac:spMk id="6" creationId="{7D069CBF-B4A8-430C-8976-37A7D82EF77C}"/>
+          </ac:spMkLst>
+        </pc:spChg>
+        <pc:picChg chg="del">
+          <ac:chgData name="Rodrigo Pumar" userId="05c6da525856e9fb" providerId="LiveId" clId="{6088B92E-A616-478A-B569-8539931DBEF7}" dt="2018-07-03T16:18:45.979" v="395" actId="478"/>
+          <ac:picMkLst>
+            <pc:docMk/>
+            <pc:sldMk cId="3055149822" sldId="263"/>
+            <ac:picMk id="3" creationId="{A76C8601-15F8-466E-B5F5-F94388BF667D}"/>
+          </ac:picMkLst>
+        </pc:picChg>
+        <pc:picChg chg="add mod">
+          <ac:chgData name="Rodrigo Pumar" userId="05c6da525856e9fb" providerId="LiveId" clId="{6088B92E-A616-478A-B569-8539931DBEF7}" dt="2018-07-03T16:19:59.350" v="423" actId="1076"/>
+          <ac:picMkLst>
+            <pc:docMk/>
+            <pc:sldMk cId="3055149822" sldId="263"/>
+            <ac:picMk id="4" creationId="{CA684E9A-2549-4D98-A372-4F2268E5624D}"/>
+          </ac:picMkLst>
+        </pc:picChg>
+        <pc:picChg chg="add mod">
+          <ac:chgData name="Rodrigo Pumar" userId="05c6da525856e9fb" providerId="LiveId" clId="{6088B92E-A616-478A-B569-8539931DBEF7}" dt="2018-07-03T16:19:57.045" v="422" actId="1076"/>
+          <ac:picMkLst>
+            <pc:docMk/>
+            <pc:sldMk cId="3055149822" sldId="263"/>
+            <ac:picMk id="5" creationId="{2FDB1832-1724-4BED-B5B3-C1C8B0924E98}"/>
+          </ac:picMkLst>
+        </pc:picChg>
+        <pc:picChg chg="del">
+          <ac:chgData name="Rodrigo Pumar" userId="05c6da525856e9fb" providerId="LiveId" clId="{6088B92E-A616-478A-B569-8539931DBEF7}" dt="2018-07-03T16:18:46.504" v="396" actId="478"/>
+          <ac:picMkLst>
+            <pc:docMk/>
+            <pc:sldMk cId="3055149822" sldId="263"/>
+            <ac:picMk id="7" creationId="{771ED620-2E3A-4D38-80C5-2C01C46789A7}"/>
+          </ac:picMkLst>
+        </pc:picChg>
+        <pc:picChg chg="add mod">
+          <ac:chgData name="Rodrigo Pumar" userId="05c6da525856e9fb" providerId="LiveId" clId="{6088B92E-A616-478A-B569-8539931DBEF7}" dt="2018-07-03T16:21:10.733" v="428" actId="14100"/>
+          <ac:picMkLst>
+            <pc:docMk/>
+            <pc:sldMk cId="3055149822" sldId="263"/>
+            <ac:picMk id="8" creationId="{D597D978-01FE-483A-A08D-B0CF4ACAD51A}"/>
+          </ac:picMkLst>
+        </pc:picChg>
+      </pc:sldChg>
+      <pc:sldChg chg="addSp delSp modSp add">
+        <pc:chgData name="Rodrigo Pumar" userId="05c6da525856e9fb" providerId="LiveId" clId="{6088B92E-A616-478A-B569-8539931DBEF7}" dt="2018-07-03T16:19:03.715" v="414" actId="478"/>
+        <pc:sldMkLst>
+          <pc:docMk/>
+          <pc:sldMk cId="3360767708" sldId="264"/>
+        </pc:sldMkLst>
+        <pc:picChg chg="add mod">
+          <ac:chgData name="Rodrigo Pumar" userId="05c6da525856e9fb" providerId="LiveId" clId="{6088B92E-A616-478A-B569-8539931DBEF7}" dt="2018-07-03T16:13:41.435" v="362" actId="1076"/>
+          <ac:picMkLst>
+            <pc:docMk/>
+            <pc:sldMk cId="3360767708" sldId="264"/>
+            <ac:picMk id="3" creationId="{35FBED30-F248-4807-9AEB-3D3E31990B8E}"/>
+          </ac:picMkLst>
+        </pc:picChg>
+        <pc:picChg chg="add del">
+          <ac:chgData name="Rodrigo Pumar" userId="05c6da525856e9fb" providerId="LiveId" clId="{6088B92E-A616-478A-B569-8539931DBEF7}" dt="2018-07-03T16:19:03.715" v="414" actId="478"/>
+          <ac:picMkLst>
+            <pc:docMk/>
+            <pc:sldMk cId="3360767708" sldId="264"/>
+            <ac:picMk id="5" creationId="{E8B10F24-C541-49FC-9D09-B16AC815DBA0}"/>
+          </ac:picMkLst>
+        </pc:picChg>
+        <pc:picChg chg="del">
+          <ac:chgData name="Rodrigo Pumar" userId="05c6da525856e9fb" providerId="LiveId" clId="{6088B92E-A616-478A-B569-8539931DBEF7}" dt="2018-07-03T16:11:22.975" v="359" actId="478"/>
+          <ac:picMkLst>
+            <pc:docMk/>
+            <pc:sldMk cId="3360767708" sldId="264"/>
+            <ac:picMk id="6" creationId="{EAAB80B9-9243-4855-8C79-536D2E11C60C}"/>
+          </ac:picMkLst>
+        </pc:picChg>
+        <pc:picChg chg="del mod">
+          <ac:chgData name="Rodrigo Pumar" userId="05c6da525856e9fb" providerId="LiveId" clId="{6088B92E-A616-478A-B569-8539931DBEF7}" dt="2018-07-03T16:11:22.522" v="358" actId="478"/>
+          <ac:picMkLst>
+            <pc:docMk/>
+            <pc:sldMk cId="3360767708" sldId="264"/>
+            <ac:picMk id="7" creationId="{748D186C-0BC0-4204-9D5A-F5DD2729D9B9}"/>
+          </ac:picMkLst>
+        </pc:picChg>
+        <pc:picChg chg="del mod">
+          <ac:chgData name="Rodrigo Pumar" userId="05c6da525856e9fb" providerId="LiveId" clId="{6088B92E-A616-478A-B569-8539931DBEF7}" dt="2018-07-03T16:11:21.961" v="356" actId="478"/>
+          <ac:picMkLst>
+            <pc:docMk/>
+            <pc:sldMk cId="3360767708" sldId="264"/>
+            <ac:picMk id="8" creationId="{7A9372E8-8DF2-4B55-8564-5CEFEF4B6AB5}"/>
+          </ac:picMkLst>
+        </pc:picChg>
+        <pc:picChg chg="del">
+          <ac:chgData name="Rodrigo Pumar" userId="05c6da525856e9fb" providerId="LiveId" clId="{6088B92E-A616-478A-B569-8539931DBEF7}" dt="2018-07-03T16:11:24.075" v="360" actId="478"/>
+          <ac:picMkLst>
+            <pc:docMk/>
+            <pc:sldMk cId="3360767708" sldId="264"/>
+            <ac:picMk id="9" creationId="{585057BC-B1BF-481C-B344-93683D5426B3}"/>
+          </ac:picMkLst>
+        </pc:picChg>
+      </pc:sldChg>
+      <pc:sldChg chg="delSp modSp add">
+        <pc:chgData name="Rodrigo Pumar" userId="05c6da525856e9fb" providerId="LiveId" clId="{6088B92E-A616-478A-B569-8539931DBEF7}" dt="2018-07-03T16:14:44.128" v="367" actId="14100"/>
+        <pc:sldMkLst>
+          <pc:docMk/>
+          <pc:sldMk cId="1651865285" sldId="265"/>
+        </pc:sldMkLst>
+        <pc:picChg chg="del">
+          <ac:chgData name="Rodrigo Pumar" userId="05c6da525856e9fb" providerId="LiveId" clId="{6088B92E-A616-478A-B569-8539931DBEF7}" dt="2018-07-03T16:14:41.005" v="365" actId="478"/>
+          <ac:picMkLst>
+            <pc:docMk/>
+            <pc:sldMk cId="1651865285" sldId="265"/>
+            <ac:picMk id="3" creationId="{35FBED30-F248-4807-9AEB-3D3E31990B8E}"/>
+          </ac:picMkLst>
+        </pc:picChg>
+        <pc:picChg chg="mod">
+          <ac:chgData name="Rodrigo Pumar" userId="05c6da525856e9fb" providerId="LiveId" clId="{6088B92E-A616-478A-B569-8539931DBEF7}" dt="2018-07-03T16:14:44.128" v="367" actId="14100"/>
+          <ac:picMkLst>
+            <pc:docMk/>
+            <pc:sldMk cId="1651865285" sldId="265"/>
+            <ac:picMk id="5" creationId="{E8B10F24-C541-49FC-9D09-B16AC815DBA0}"/>
+          </ac:picMkLst>
+        </pc:picChg>
+      </pc:sldChg>
+    </pc:docChg>
+  </pc:docChgLst>
 </pc:chgInfo>
 </file>
 
@@ -825,7 +1210,7 @@
           <a:p>
             <a:fld id="{CB20CE0D-DCBF-4F05-A4FC-29CB0DE0336D}" type="datetimeFigureOut">
               <a:rPr lang="pt-BR" smtClean="0"/>
-              <a:t>24/04/2018</a:t>
+              <a:t>03/07/2018</a:t>
             </a:fld>
             <a:endParaRPr lang="pt-BR"/>
           </a:p>
@@ -1025,7 +1410,7 @@
           <a:p>
             <a:fld id="{CB20CE0D-DCBF-4F05-A4FC-29CB0DE0336D}" type="datetimeFigureOut">
               <a:rPr lang="pt-BR" smtClean="0"/>
-              <a:t>24/04/2018</a:t>
+              <a:t>03/07/2018</a:t>
             </a:fld>
             <a:endParaRPr lang="pt-BR"/>
           </a:p>
@@ -1235,7 +1620,7 @@
           <a:p>
             <a:fld id="{CB20CE0D-DCBF-4F05-A4FC-29CB0DE0336D}" type="datetimeFigureOut">
               <a:rPr lang="pt-BR" smtClean="0"/>
-              <a:t>24/04/2018</a:t>
+              <a:t>03/07/2018</a:t>
             </a:fld>
             <a:endParaRPr lang="pt-BR"/>
           </a:p>
@@ -1435,7 +1820,7 @@
           <a:p>
             <a:fld id="{CB20CE0D-DCBF-4F05-A4FC-29CB0DE0336D}" type="datetimeFigureOut">
               <a:rPr lang="pt-BR" smtClean="0"/>
-              <a:t>24/04/2018</a:t>
+              <a:t>03/07/2018</a:t>
             </a:fld>
             <a:endParaRPr lang="pt-BR"/>
           </a:p>
@@ -1711,7 +2096,7 @@
           <a:p>
             <a:fld id="{CB20CE0D-DCBF-4F05-A4FC-29CB0DE0336D}" type="datetimeFigureOut">
               <a:rPr lang="pt-BR" smtClean="0"/>
-              <a:t>24/04/2018</a:t>
+              <a:t>03/07/2018</a:t>
             </a:fld>
             <a:endParaRPr lang="pt-BR"/>
           </a:p>
@@ -1979,7 +2364,7 @@
           <a:p>
             <a:fld id="{CB20CE0D-DCBF-4F05-A4FC-29CB0DE0336D}" type="datetimeFigureOut">
               <a:rPr lang="pt-BR" smtClean="0"/>
-              <a:t>24/04/2018</a:t>
+              <a:t>03/07/2018</a:t>
             </a:fld>
             <a:endParaRPr lang="pt-BR"/>
           </a:p>
@@ -2394,7 +2779,7 @@
           <a:p>
             <a:fld id="{CB20CE0D-DCBF-4F05-A4FC-29CB0DE0336D}" type="datetimeFigureOut">
               <a:rPr lang="pt-BR" smtClean="0"/>
-              <a:t>24/04/2018</a:t>
+              <a:t>03/07/2018</a:t>
             </a:fld>
             <a:endParaRPr lang="pt-BR"/>
           </a:p>
@@ -2536,7 +2921,7 @@
           <a:p>
             <a:fld id="{CB20CE0D-DCBF-4F05-A4FC-29CB0DE0336D}" type="datetimeFigureOut">
               <a:rPr lang="pt-BR" smtClean="0"/>
-              <a:t>24/04/2018</a:t>
+              <a:t>03/07/2018</a:t>
             </a:fld>
             <a:endParaRPr lang="pt-BR"/>
           </a:p>
@@ -2649,7 +3034,7 @@
           <a:p>
             <a:fld id="{CB20CE0D-DCBF-4F05-A4FC-29CB0DE0336D}" type="datetimeFigureOut">
               <a:rPr lang="pt-BR" smtClean="0"/>
-              <a:t>24/04/2018</a:t>
+              <a:t>03/07/2018</a:t>
             </a:fld>
             <a:endParaRPr lang="pt-BR"/>
           </a:p>
@@ -2962,7 +3347,7 @@
           <a:p>
             <a:fld id="{CB20CE0D-DCBF-4F05-A4FC-29CB0DE0336D}" type="datetimeFigureOut">
               <a:rPr lang="pt-BR" smtClean="0"/>
-              <a:t>24/04/2018</a:t>
+              <a:t>03/07/2018</a:t>
             </a:fld>
             <a:endParaRPr lang="pt-BR"/>
           </a:p>
@@ -3251,7 +3636,7 @@
           <a:p>
             <a:fld id="{CB20CE0D-DCBF-4F05-A4FC-29CB0DE0336D}" type="datetimeFigureOut">
               <a:rPr lang="pt-BR" smtClean="0"/>
-              <a:t>24/04/2018</a:t>
+              <a:t>03/07/2018</a:t>
             </a:fld>
             <a:endParaRPr lang="pt-BR"/>
           </a:p>
@@ -3494,7 +3879,7 @@
           <a:p>
             <a:fld id="{CB20CE0D-DCBF-4F05-A4FC-29CB0DE0336D}" type="datetimeFigureOut">
               <a:rPr lang="pt-BR" smtClean="0"/>
-              <a:t>24/04/2018</a:t>
+              <a:t>03/07/2018</a:t>
             </a:fld>
             <a:endParaRPr lang="pt-BR"/>
           </a:p>
@@ -3933,9 +4318,10 @@
           <a:lstStyle/>
           <a:p>
             <a:r>
-              <a:rPr lang="pt-BR" dirty="0"/>
-              <a:t>Invasores do Espaço</a:t>
-            </a:r>
+              <a:rPr lang="pt-BR" dirty="0" err="1"/>
+              <a:t>Bomberguy</a:t>
+            </a:r>
+            <a:endParaRPr lang="pt-BR" dirty="0"/>
           </a:p>
         </p:txBody>
       </p:sp>
@@ -4075,56 +4461,31 @@
           <a:p>
             <a:r>
               <a:rPr lang="pt-BR" dirty="0"/>
-              <a:t>O jogo é uma copia descarada de </a:t>
+              <a:t>O jogo é uma copia do </a:t>
             </a:r>
             <a:r>
               <a:rPr lang="pt-BR" dirty="0" err="1"/>
-              <a:t>space</a:t>
-            </a:r>
+              <a:t>bomberman</a:t>
+            </a:r>
+            <a:endParaRPr lang="pt-BR" dirty="0"/>
+          </a:p>
+          <a:p>
             <a:r>
               <a:rPr lang="pt-BR" dirty="0"/>
-              <a:t> </a:t>
-            </a:r>
-            <a:r>
-              <a:rPr lang="pt-BR" dirty="0" err="1"/>
-              <a:t>invaders</a:t>
-            </a:r>
+              <a:t>São dois jogadores que nascem em cada canto. Eles podem fazer bombas em formato de cruz de até 3 tiles, que destrói as paredes vermelhas ou os jogadores.</a:t>
+            </a:r>
+          </a:p>
+          <a:p>
             <a:r>
               <a:rPr lang="pt-BR" dirty="0"/>
-              <a:t>.</a:t>
-            </a:r>
-          </a:p>
-          <a:p>
-            <a:r>
-              <a:rPr lang="pt-BR" dirty="0"/>
-              <a:t>Os invasores descem em direção a terra, sendo que quando eles chegarem na superfície o jogo termina.</a:t>
-            </a:r>
-          </a:p>
-          <a:p>
-            <a:r>
-              <a:rPr lang="pt-BR" dirty="0"/>
-              <a:t>O jogador é o herói que defende a terra com seu míssil, atirando e matando os invasores.</a:t>
-            </a:r>
-          </a:p>
-          <a:p>
-            <a:r>
-              <a:rPr lang="pt-BR" dirty="0"/>
-              <a:t>Porem, a nave mãe, atira aleatoriamente na terra para tentar destruir o herói, que possui apenas 3 vidas.</a:t>
-            </a:r>
-          </a:p>
-          <a:p>
-            <a:r>
-              <a:rPr lang="pt-BR" dirty="0"/>
-              <a:t>A condição de </a:t>
-            </a:r>
-            <a:r>
-              <a:rPr lang="pt-BR"/>
-              <a:t>vitória é </a:t>
-            </a:r>
-            <a:r>
-              <a:rPr lang="pt-BR" dirty="0"/>
-              <a:t>destruir todos os invasores antes dele chegarem na terra.</a:t>
-            </a:r>
+              <a:t>Se o jogador for atingido por uma bomba (sua ou do opositor), ele morre.</a:t>
+            </a:r>
+          </a:p>
+          <a:p>
+            <a:pPr marL="0" indent="0">
+              <a:buNone/>
+            </a:pPr>
+            <a:endParaRPr lang="pt-BR" dirty="0"/>
           </a:p>
         </p:txBody>
       </p:sp>
@@ -4199,21 +4560,49 @@
           </a:p>
         </p:txBody>
       </p:sp>
+      <p:sp>
+        <p:nvSpPr>
+          <p:cNvPr id="4" name="Content Placeholder 3">
+            <a:extLst>
+              <a:ext uri="{FF2B5EF4-FFF2-40B4-BE49-F238E27FC236}">
+                <a16:creationId xmlns:a16="http://schemas.microsoft.com/office/drawing/2014/main" id="{84E9F2FD-389B-43BA-A546-D6F5F776F37D}"/>
+              </a:ext>
+            </a:extLst>
+          </p:cNvPr>
+          <p:cNvSpPr>
+            <a:spLocks noGrp="1"/>
+          </p:cNvSpPr>
+          <p:nvPr>
+            <p:ph idx="1"/>
+          </p:nvPr>
+        </p:nvSpPr>
+        <p:spPr>
+          <a:xfrm>
+            <a:off x="838200" y="1825625"/>
+            <a:ext cx="9941653" cy="640738"/>
+          </a:xfrm>
+        </p:spPr>
+        <p:txBody>
+          <a:bodyPr/>
+          <a:lstStyle/>
+          <a:p>
+            <a:endParaRPr lang="pt-BR" dirty="0"/>
+          </a:p>
+        </p:txBody>
+      </p:sp>
       <p:pic>
         <p:nvPicPr>
-          <p:cNvPr id="11" name="Content Placeholder 10">
-            <a:extLst>
-              <a:ext uri="{FF2B5EF4-FFF2-40B4-BE49-F238E27FC236}">
-                <a16:creationId xmlns:a16="http://schemas.microsoft.com/office/drawing/2014/main" id="{BCF639BB-EBFA-4E44-BE68-C5EB77A1D44E}"/>
+          <p:cNvPr id="6" name="Picture 5">
+            <a:extLst>
+              <a:ext uri="{FF2B5EF4-FFF2-40B4-BE49-F238E27FC236}">
+                <a16:creationId xmlns:a16="http://schemas.microsoft.com/office/drawing/2014/main" id="{EAAB80B9-9243-4855-8C79-536D2E11C60C}"/>
               </a:ext>
             </a:extLst>
           </p:cNvPr>
           <p:cNvPicPr>
-            <a:picLocks noGrp="1" noChangeAspect="1"/>
+            <a:picLocks noChangeAspect="1"/>
           </p:cNvPicPr>
-          <p:nvPr>
-            <p:ph idx="1"/>
-          </p:nvPr>
+          <p:nvPr/>
         </p:nvPicPr>
         <p:blipFill>
           <a:blip r:embed="rId2"/>
@@ -4223,8 +4612,8 @@
         </p:blipFill>
         <p:spPr>
           <a:xfrm>
-            <a:off x="7947952" y="1155228"/>
-            <a:ext cx="3233192" cy="2024119"/>
+            <a:off x="8473937" y="4605048"/>
+            <a:ext cx="2333625" cy="1323975"/>
           </a:xfrm>
           <a:prstGeom prst="rect">
             <a:avLst/>
@@ -4233,10 +4622,10 @@
       </p:pic>
       <p:pic>
         <p:nvPicPr>
-          <p:cNvPr id="12" name="Picture 11">
-            <a:extLst>
-              <a:ext uri="{FF2B5EF4-FFF2-40B4-BE49-F238E27FC236}">
-                <a16:creationId xmlns:a16="http://schemas.microsoft.com/office/drawing/2014/main" id="{C1FAF0D0-43AB-4FA7-A0DC-42010FC55428}"/>
+          <p:cNvPr id="7" name="Picture 6">
+            <a:extLst>
+              <a:ext uri="{FF2B5EF4-FFF2-40B4-BE49-F238E27FC236}">
+                <a16:creationId xmlns:a16="http://schemas.microsoft.com/office/drawing/2014/main" id="{748D186C-0BC0-4204-9D5A-F5DD2729D9B9}"/>
               </a:ext>
             </a:extLst>
           </p:cNvPr>
@@ -4253,8 +4642,8 @@
         </p:blipFill>
         <p:spPr>
           <a:xfrm>
-            <a:off x="838200" y="1337786"/>
-            <a:ext cx="6060311" cy="4653301"/>
+            <a:off x="8473937" y="3255419"/>
+            <a:ext cx="2387930" cy="1147907"/>
           </a:xfrm>
           <a:prstGeom prst="rect">
             <a:avLst/>
@@ -4263,10 +4652,10 @@
       </p:pic>
       <p:pic>
         <p:nvPicPr>
-          <p:cNvPr id="14" name="Picture 13">
-            <a:extLst>
-              <a:ext uri="{FF2B5EF4-FFF2-40B4-BE49-F238E27FC236}">
-                <a16:creationId xmlns:a16="http://schemas.microsoft.com/office/drawing/2014/main" id="{7E4C10BD-7DA5-4379-95A5-CEBFAE69BAA8}"/>
+          <p:cNvPr id="8" name="Picture 7">
+            <a:extLst>
+              <a:ext uri="{FF2B5EF4-FFF2-40B4-BE49-F238E27FC236}">
+                <a16:creationId xmlns:a16="http://schemas.microsoft.com/office/drawing/2014/main" id="{7A9372E8-8DF2-4B55-8564-5CEFEF4B6AB5}"/>
               </a:ext>
             </a:extLst>
           </p:cNvPr>
@@ -4283,8 +4672,38 @@
         </p:blipFill>
         <p:spPr>
           <a:xfrm>
-            <a:off x="7947951" y="3757429"/>
-            <a:ext cx="3233191" cy="2406220"/>
+            <a:off x="6628389" y="1307794"/>
+            <a:ext cx="5400675" cy="1676400"/>
+          </a:xfrm>
+          <a:prstGeom prst="rect">
+            <a:avLst/>
+          </a:prstGeom>
+        </p:spPr>
+      </p:pic>
+      <p:pic>
+        <p:nvPicPr>
+          <p:cNvPr id="9" name="Picture 8">
+            <a:extLst>
+              <a:ext uri="{FF2B5EF4-FFF2-40B4-BE49-F238E27FC236}">
+                <a16:creationId xmlns:a16="http://schemas.microsoft.com/office/drawing/2014/main" id="{585057BC-B1BF-481C-B344-93683D5426B3}"/>
+              </a:ext>
+            </a:extLst>
+          </p:cNvPr>
+          <p:cNvPicPr>
+            <a:picLocks noChangeAspect="1"/>
+          </p:cNvPicPr>
+          <p:nvPr/>
+        </p:nvPicPr>
+        <p:blipFill>
+          <a:blip r:embed="rId5"/>
+          <a:stretch>
+            <a:fillRect/>
+          </a:stretch>
+        </p:blipFill>
+        <p:spPr>
+          <a:xfrm>
+            <a:off x="561541" y="1389207"/>
+            <a:ext cx="5915025" cy="5391150"/>
           </a:xfrm>
           <a:prstGeom prst="rect">
             <a:avLst/>
@@ -4326,7 +4745,7 @@
           <p:cNvPr id="2" name="Title 1">
             <a:extLst>
               <a:ext uri="{FF2B5EF4-FFF2-40B4-BE49-F238E27FC236}">
-                <a16:creationId xmlns:a16="http://schemas.microsoft.com/office/drawing/2014/main" id="{3903607A-2BE4-4629-BDD1-CC068A17FAD5}"/>
+                <a16:creationId xmlns:a16="http://schemas.microsoft.com/office/drawing/2014/main" id="{62AAA420-587B-451A-8AC9-002AA0E949C2}"/>
               </a:ext>
             </a:extLst>
           </p:cNvPr>
@@ -4343,32 +4762,68 @@
           <a:lstStyle/>
           <a:p>
             <a:r>
-              <a:rPr lang="pt-BR" dirty="0"/>
-              <a:t>Código dos objetos e </a:t>
-            </a:r>
-            <a:r>
-              <a:rPr lang="pt-BR" dirty="0" err="1"/>
-              <a:t>corrotina</a:t>
-            </a:r>
+              <a:rPr lang="en-US" dirty="0" err="1"/>
+              <a:t>Telas</a:t>
+            </a:r>
+            <a:r>
+              <a:rPr lang="en-US" dirty="0"/>
+              <a:t> do </a:t>
+            </a:r>
+            <a:r>
+              <a:rPr lang="en-US" dirty="0" err="1"/>
+              <a:t>jogo</a:t>
+            </a:r>
+            <a:r>
+              <a:rPr lang="en-US" dirty="0"/>
+              <a:t> </a:t>
+            </a:r>
+            <a:endParaRPr lang="pt-BR" dirty="0"/>
+          </a:p>
+        </p:txBody>
+      </p:sp>
+      <p:sp>
+        <p:nvSpPr>
+          <p:cNvPr id="4" name="Content Placeholder 3">
+            <a:extLst>
+              <a:ext uri="{FF2B5EF4-FFF2-40B4-BE49-F238E27FC236}">
+                <a16:creationId xmlns:a16="http://schemas.microsoft.com/office/drawing/2014/main" id="{84E9F2FD-389B-43BA-A546-D6F5F776F37D}"/>
+              </a:ext>
+            </a:extLst>
+          </p:cNvPr>
+          <p:cNvSpPr>
+            <a:spLocks noGrp="1"/>
+          </p:cNvSpPr>
+          <p:nvPr>
+            <p:ph idx="1"/>
+          </p:nvPr>
+        </p:nvSpPr>
+        <p:spPr>
+          <a:xfrm>
+            <a:off x="838200" y="1825625"/>
+            <a:ext cx="9941653" cy="640738"/>
+          </a:xfrm>
+        </p:spPr>
+        <p:txBody>
+          <a:bodyPr/>
+          <a:lstStyle/>
+          <a:p>
             <a:endParaRPr lang="pt-BR" dirty="0"/>
           </a:p>
         </p:txBody>
       </p:sp>
       <p:pic>
         <p:nvPicPr>
-          <p:cNvPr id="7" name="Content Placeholder 6">
-            <a:extLst>
-              <a:ext uri="{FF2B5EF4-FFF2-40B4-BE49-F238E27FC236}">
-                <a16:creationId xmlns:a16="http://schemas.microsoft.com/office/drawing/2014/main" id="{C477E91D-9678-4F90-9E6C-29B8717A3F4B}"/>
+          <p:cNvPr id="3" name="Picture 2">
+            <a:extLst>
+              <a:ext uri="{FF2B5EF4-FFF2-40B4-BE49-F238E27FC236}">
+                <a16:creationId xmlns:a16="http://schemas.microsoft.com/office/drawing/2014/main" id="{35FBED30-F248-4807-9AEB-3D3E31990B8E}"/>
               </a:ext>
             </a:extLst>
           </p:cNvPr>
           <p:cNvPicPr>
-            <a:picLocks noGrp="1" noChangeAspect="1"/>
+            <a:picLocks noChangeAspect="1"/>
           </p:cNvPicPr>
-          <p:nvPr>
-            <p:ph idx="1"/>
-          </p:nvPr>
+          <p:nvPr/>
         </p:nvPicPr>
         <p:blipFill>
           <a:blip r:embed="rId2"/>
@@ -4378,68 +4833,8 @@
         </p:blipFill>
         <p:spPr>
           <a:xfrm>
-            <a:off x="268815" y="1690687"/>
-            <a:ext cx="6611328" cy="4997191"/>
-          </a:xfrm>
-          <a:prstGeom prst="rect">
-            <a:avLst/>
-          </a:prstGeom>
-        </p:spPr>
-      </p:pic>
-      <p:pic>
-        <p:nvPicPr>
-          <p:cNvPr id="8" name="Picture 7">
-            <a:extLst>
-              <a:ext uri="{FF2B5EF4-FFF2-40B4-BE49-F238E27FC236}">
-                <a16:creationId xmlns:a16="http://schemas.microsoft.com/office/drawing/2014/main" id="{5C966D4A-9109-4825-9B36-268B6CCBE68F}"/>
-              </a:ext>
-            </a:extLst>
-          </p:cNvPr>
-          <p:cNvPicPr>
-            <a:picLocks noChangeAspect="1"/>
-          </p:cNvPicPr>
-          <p:nvPr/>
-        </p:nvPicPr>
-        <p:blipFill>
-          <a:blip r:embed="rId3"/>
-          <a:stretch>
-            <a:fillRect/>
-          </a:stretch>
-        </p:blipFill>
-        <p:spPr>
-          <a:xfrm>
-            <a:off x="5736707" y="1690686"/>
-            <a:ext cx="5760074" cy="1621354"/>
-          </a:xfrm>
-          <a:prstGeom prst="rect">
-            <a:avLst/>
-          </a:prstGeom>
-        </p:spPr>
-      </p:pic>
-      <p:pic>
-        <p:nvPicPr>
-          <p:cNvPr id="10" name="Picture 9">
-            <a:extLst>
-              <a:ext uri="{FF2B5EF4-FFF2-40B4-BE49-F238E27FC236}">
-                <a16:creationId xmlns:a16="http://schemas.microsoft.com/office/drawing/2014/main" id="{57959411-203F-4467-BAE5-23A45E278CA8}"/>
-              </a:ext>
-            </a:extLst>
-          </p:cNvPr>
-          <p:cNvPicPr>
-            <a:picLocks noChangeAspect="1"/>
-          </p:cNvPicPr>
-          <p:nvPr/>
-        </p:nvPicPr>
-        <p:blipFill>
-          <a:blip r:embed="rId4"/>
-          <a:stretch>
-            <a:fillRect/>
-          </a:stretch>
-        </p:blipFill>
-        <p:spPr>
-          <a:xfrm>
-            <a:off x="6880144" y="3970617"/>
-            <a:ext cx="5145280" cy="845067"/>
+            <a:off x="0" y="1342340"/>
+            <a:ext cx="12192000" cy="5150535"/>
           </a:xfrm>
           <a:prstGeom prst="rect">
             <a:avLst/>
@@ -4449,7 +4844,7 @@
     </p:spTree>
     <p:extLst>
       <p:ext uri="{BB962C8B-B14F-4D97-AF65-F5344CB8AC3E}">
-        <p14:creationId xmlns:p14="http://schemas.microsoft.com/office/powerpoint/2010/main" val="3095398106"/>
+        <p14:creationId xmlns:p14="http://schemas.microsoft.com/office/powerpoint/2010/main" val="3360767708"/>
       </p:ext>
     </p:extLst>
   </p:cSld>
@@ -4481,7 +4876,7 @@
           <p:cNvPr id="2" name="Title 1">
             <a:extLst>
               <a:ext uri="{FF2B5EF4-FFF2-40B4-BE49-F238E27FC236}">
-                <a16:creationId xmlns:a16="http://schemas.microsoft.com/office/drawing/2014/main" id="{52C7E21E-FEBE-4819-A775-D0D045FE4824}"/>
+                <a16:creationId xmlns:a16="http://schemas.microsoft.com/office/drawing/2014/main" id="{62AAA420-587B-451A-8AC9-002AA0E949C2}"/>
               </a:ext>
             </a:extLst>
           </p:cNvPr>
@@ -4498,22 +4893,31 @@
           <a:lstStyle/>
           <a:p>
             <a:r>
-              <a:rPr lang="pt-BR" dirty="0" err="1"/>
-              <a:t>Load</a:t>
-            </a:r>
-            <a:r>
-              <a:rPr lang="pt-BR" dirty="0"/>
-              <a:t>()  - Inicio da cena</a:t>
-            </a:r>
-          </a:p>
-        </p:txBody>
-      </p:sp>
-      <p:sp>
-        <p:nvSpPr>
-          <p:cNvPr id="6" name="Content Placeholder 5">
-            <a:extLst>
-              <a:ext uri="{FF2B5EF4-FFF2-40B4-BE49-F238E27FC236}">
-                <a16:creationId xmlns:a16="http://schemas.microsoft.com/office/drawing/2014/main" id="{7D069CBF-B4A8-430C-8976-37A7D82EF77C}"/>
+              <a:rPr lang="en-US" dirty="0" err="1"/>
+              <a:t>Telas</a:t>
+            </a:r>
+            <a:r>
+              <a:rPr lang="en-US" dirty="0"/>
+              <a:t> do </a:t>
+            </a:r>
+            <a:r>
+              <a:rPr lang="en-US" dirty="0" err="1"/>
+              <a:t>jogo</a:t>
+            </a:r>
+            <a:r>
+              <a:rPr lang="en-US" dirty="0"/>
+              <a:t> </a:t>
+            </a:r>
+            <a:endParaRPr lang="pt-BR" dirty="0"/>
+          </a:p>
+        </p:txBody>
+      </p:sp>
+      <p:sp>
+        <p:nvSpPr>
+          <p:cNvPr id="4" name="Content Placeholder 3">
+            <a:extLst>
+              <a:ext uri="{FF2B5EF4-FFF2-40B4-BE49-F238E27FC236}">
+                <a16:creationId xmlns:a16="http://schemas.microsoft.com/office/drawing/2014/main" id="{84E9F2FD-389B-43BA-A546-D6F5F776F37D}"/>
               </a:ext>
             </a:extLst>
           </p:cNvPr>
@@ -4526,27 +4930,24 @@
         </p:nvSpPr>
         <p:spPr>
           <a:xfrm>
-            <a:off x="838200" y="1690688"/>
-            <a:ext cx="10515600" cy="4351338"/>
+            <a:off x="838200" y="1825625"/>
+            <a:ext cx="9941653" cy="640738"/>
           </a:xfrm>
         </p:spPr>
         <p:txBody>
           <a:bodyPr/>
           <a:lstStyle/>
           <a:p>
-            <a:pPr marL="457200" lvl="1" indent="0">
-              <a:buNone/>
-            </a:pPr>
             <a:endParaRPr lang="pt-BR" dirty="0"/>
           </a:p>
         </p:txBody>
       </p:sp>
       <p:pic>
         <p:nvPicPr>
-          <p:cNvPr id="3" name="Picture 2">
-            <a:extLst>
-              <a:ext uri="{FF2B5EF4-FFF2-40B4-BE49-F238E27FC236}">
-                <a16:creationId xmlns:a16="http://schemas.microsoft.com/office/drawing/2014/main" id="{A76C8601-15F8-466E-B5F5-F94388BF667D}"/>
+          <p:cNvPr id="5" name="Picture 4">
+            <a:extLst>
+              <a:ext uri="{FF2B5EF4-FFF2-40B4-BE49-F238E27FC236}">
+                <a16:creationId xmlns:a16="http://schemas.microsoft.com/office/drawing/2014/main" id="{E8B10F24-C541-49FC-9D09-B16AC815DBA0}"/>
               </a:ext>
             </a:extLst>
           </p:cNvPr>
@@ -4563,38 +4964,8 @@
         </p:blipFill>
         <p:spPr>
           <a:xfrm>
-            <a:off x="838200" y="1693582"/>
-            <a:ext cx="5257800" cy="5043633"/>
-          </a:xfrm>
-          <a:prstGeom prst="rect">
-            <a:avLst/>
-          </a:prstGeom>
-        </p:spPr>
-      </p:pic>
-      <p:pic>
-        <p:nvPicPr>
-          <p:cNvPr id="7" name="Picture 6">
-            <a:extLst>
-              <a:ext uri="{FF2B5EF4-FFF2-40B4-BE49-F238E27FC236}">
-                <a16:creationId xmlns:a16="http://schemas.microsoft.com/office/drawing/2014/main" id="{771ED620-2E3A-4D38-80C5-2C01C46789A7}"/>
-              </a:ext>
-            </a:extLst>
-          </p:cNvPr>
-          <p:cNvPicPr>
-            <a:picLocks noChangeAspect="1"/>
-          </p:cNvPicPr>
-          <p:nvPr/>
-        </p:nvPicPr>
-        <p:blipFill>
-          <a:blip r:embed="rId3"/>
-          <a:stretch>
-            <a:fillRect/>
-          </a:stretch>
-        </p:blipFill>
-        <p:spPr>
-          <a:xfrm>
-            <a:off x="5815879" y="1436462"/>
-            <a:ext cx="6376121" cy="3985076"/>
+            <a:off x="416359" y="1335088"/>
+            <a:ext cx="5679642" cy="5015456"/>
           </a:xfrm>
           <a:prstGeom prst="rect">
             <a:avLst/>
@@ -4604,7 +4975,7 @@
     </p:spTree>
     <p:extLst>
       <p:ext uri="{BB962C8B-B14F-4D97-AF65-F5344CB8AC3E}">
-        <p14:creationId xmlns:p14="http://schemas.microsoft.com/office/powerpoint/2010/main" val="3055149822"/>
+        <p14:creationId xmlns:p14="http://schemas.microsoft.com/office/powerpoint/2010/main" val="1651865285"/>
       </p:ext>
     </p:extLst>
   </p:cSld>
@@ -4636,7 +5007,7 @@
           <p:cNvPr id="2" name="Title 1">
             <a:extLst>
               <a:ext uri="{FF2B5EF4-FFF2-40B4-BE49-F238E27FC236}">
-                <a16:creationId xmlns:a16="http://schemas.microsoft.com/office/drawing/2014/main" id="{52C7E21E-FEBE-4819-A775-D0D045FE4824}"/>
+                <a16:creationId xmlns:a16="http://schemas.microsoft.com/office/drawing/2014/main" id="{3903607A-2BE4-4629-BDD1-CC068A17FAD5}"/>
               </a:ext>
             </a:extLst>
           </p:cNvPr>
@@ -4645,59 +5016,33 @@
           </p:cNvSpPr>
           <p:nvPr>
             <p:ph type="title"/>
-          </p:nvPr>
-        </p:nvSpPr>
-        <p:spPr/>
-        <p:txBody>
-          <a:bodyPr/>
-          <a:lstStyle/>
-          <a:p>
-            <a:r>
-              <a:rPr lang="pt-BR" dirty="0"/>
-              <a:t>Draw()</a:t>
-            </a:r>
-          </a:p>
-        </p:txBody>
-      </p:sp>
-      <p:sp>
-        <p:nvSpPr>
-          <p:cNvPr id="6" name="Content Placeholder 5">
-            <a:extLst>
-              <a:ext uri="{FF2B5EF4-FFF2-40B4-BE49-F238E27FC236}">
-                <a16:creationId xmlns:a16="http://schemas.microsoft.com/office/drawing/2014/main" id="{7D069CBF-B4A8-430C-8976-37A7D82EF77C}"/>
-              </a:ext>
-            </a:extLst>
-          </p:cNvPr>
-          <p:cNvSpPr>
-            <a:spLocks noGrp="1"/>
-          </p:cNvSpPr>
-          <p:nvPr>
-            <p:ph idx="1"/>
           </p:nvPr>
         </p:nvSpPr>
         <p:spPr>
           <a:xfrm>
-            <a:off x="838200" y="1690688"/>
-            <a:ext cx="10515600" cy="4351338"/>
+            <a:off x="838200" y="365125"/>
+            <a:ext cx="10097655" cy="595457"/>
           </a:xfrm>
         </p:spPr>
         <p:txBody>
-          <a:bodyPr/>
-          <a:lstStyle/>
-          <a:p>
-            <a:pPr marL="457200" lvl="1" indent="0">
-              <a:buNone/>
-            </a:pPr>
-            <a:endParaRPr lang="pt-BR" dirty="0"/>
+          <a:bodyPr>
+            <a:normAutofit fontScale="90000"/>
+          </a:bodyPr>
+          <a:lstStyle/>
+          <a:p>
+            <a:r>
+              <a:rPr lang="pt-BR" dirty="0"/>
+              <a:t>Código da bomba</a:t>
+            </a:r>
           </a:p>
         </p:txBody>
       </p:sp>
       <p:pic>
         <p:nvPicPr>
-          <p:cNvPr id="3" name="Picture 2">
-            <a:extLst>
-              <a:ext uri="{FF2B5EF4-FFF2-40B4-BE49-F238E27FC236}">
-                <a16:creationId xmlns:a16="http://schemas.microsoft.com/office/drawing/2014/main" id="{BAFDD2AF-A0D0-48C2-8482-97E2ED7BB6F5}"/>
+          <p:cNvPr id="10" name="Picture 9">
+            <a:extLst>
+              <a:ext uri="{FF2B5EF4-FFF2-40B4-BE49-F238E27FC236}">
+                <a16:creationId xmlns:a16="http://schemas.microsoft.com/office/drawing/2014/main" id="{57959411-203F-4467-BAE5-23A45E278CA8}"/>
               </a:ext>
             </a:extLst>
           </p:cNvPr>
@@ -4714,8 +5059,98 @@
         </p:blipFill>
         <p:spPr>
           <a:xfrm>
-            <a:off x="838199" y="1435614"/>
-            <a:ext cx="11176285" cy="5220367"/>
+            <a:off x="433162" y="5102803"/>
+            <a:ext cx="3797092" cy="623639"/>
+          </a:xfrm>
+          <a:prstGeom prst="rect">
+            <a:avLst/>
+          </a:prstGeom>
+        </p:spPr>
+      </p:pic>
+      <p:pic>
+        <p:nvPicPr>
+          <p:cNvPr id="5" name="Picture 4">
+            <a:extLst>
+              <a:ext uri="{FF2B5EF4-FFF2-40B4-BE49-F238E27FC236}">
+                <a16:creationId xmlns:a16="http://schemas.microsoft.com/office/drawing/2014/main" id="{A567A3F7-001B-4170-870F-B3BCB9AF06F3}"/>
+              </a:ext>
+            </a:extLst>
+          </p:cNvPr>
+          <p:cNvPicPr>
+            <a:picLocks noChangeAspect="1"/>
+          </p:cNvPicPr>
+          <p:nvPr/>
+        </p:nvPicPr>
+        <p:blipFill>
+          <a:blip r:embed="rId3"/>
+          <a:stretch>
+            <a:fillRect/>
+          </a:stretch>
+        </p:blipFill>
+        <p:spPr>
+          <a:xfrm>
+            <a:off x="510887" y="960582"/>
+            <a:ext cx="5695950" cy="3657600"/>
+          </a:xfrm>
+          <a:prstGeom prst="rect">
+            <a:avLst/>
+          </a:prstGeom>
+        </p:spPr>
+      </p:pic>
+      <p:pic>
+        <p:nvPicPr>
+          <p:cNvPr id="6" name="Picture 5">
+            <a:extLst>
+              <a:ext uri="{FF2B5EF4-FFF2-40B4-BE49-F238E27FC236}">
+                <a16:creationId xmlns:a16="http://schemas.microsoft.com/office/drawing/2014/main" id="{EEA97F81-9197-4343-9FC7-AB885B43769E}"/>
+              </a:ext>
+            </a:extLst>
+          </p:cNvPr>
+          <p:cNvPicPr>
+            <a:picLocks noChangeAspect="1"/>
+          </p:cNvPicPr>
+          <p:nvPr/>
+        </p:nvPicPr>
+        <p:blipFill>
+          <a:blip r:embed="rId4"/>
+          <a:stretch>
+            <a:fillRect/>
+          </a:stretch>
+        </p:blipFill>
+        <p:spPr>
+          <a:xfrm>
+            <a:off x="6206837" y="960582"/>
+            <a:ext cx="6153150" cy="3333750"/>
+          </a:xfrm>
+          <a:prstGeom prst="rect">
+            <a:avLst/>
+          </a:prstGeom>
+        </p:spPr>
+      </p:pic>
+      <p:pic>
+        <p:nvPicPr>
+          <p:cNvPr id="9" name="Picture 8">
+            <a:extLst>
+              <a:ext uri="{FF2B5EF4-FFF2-40B4-BE49-F238E27FC236}">
+                <a16:creationId xmlns:a16="http://schemas.microsoft.com/office/drawing/2014/main" id="{D5EAED61-646B-4A6F-B3D3-E8FDC2ACD811}"/>
+              </a:ext>
+            </a:extLst>
+          </p:cNvPr>
+          <p:cNvPicPr>
+            <a:picLocks noChangeAspect="1"/>
+          </p:cNvPicPr>
+          <p:nvPr/>
+        </p:nvPicPr>
+        <p:blipFill>
+          <a:blip r:embed="rId5"/>
+          <a:stretch>
+            <a:fillRect/>
+          </a:stretch>
+        </p:blipFill>
+        <p:spPr>
+          <a:xfrm>
+            <a:off x="4710834" y="4804064"/>
+            <a:ext cx="7296150" cy="1905000"/>
           </a:xfrm>
           <a:prstGeom prst="rect">
             <a:avLst/>
@@ -4725,7 +5160,7 @@
     </p:spTree>
     <p:extLst>
       <p:ext uri="{BB962C8B-B14F-4D97-AF65-F5344CB8AC3E}">
-        <p14:creationId xmlns:p14="http://schemas.microsoft.com/office/powerpoint/2010/main" val="3087570969"/>
+        <p14:creationId xmlns:p14="http://schemas.microsoft.com/office/powerpoint/2010/main" val="3095398106"/>
       </p:ext>
     </p:extLst>
   </p:cSld>
@@ -4768,64 +5203,42 @@
             <p:ph type="title"/>
           </p:nvPr>
         </p:nvSpPr>
-        <p:spPr/>
-        <p:txBody>
-          <a:bodyPr/>
-          <a:lstStyle/>
-          <a:p>
-            <a:r>
-              <a:rPr lang="pt-BR" dirty="0"/>
-              <a:t>Update()</a:t>
-            </a:r>
-          </a:p>
-        </p:txBody>
-      </p:sp>
-      <p:sp>
-        <p:nvSpPr>
-          <p:cNvPr id="6" name="Content Placeholder 5">
-            <a:extLst>
-              <a:ext uri="{FF2B5EF4-FFF2-40B4-BE49-F238E27FC236}">
-                <a16:creationId xmlns:a16="http://schemas.microsoft.com/office/drawing/2014/main" id="{7D069CBF-B4A8-430C-8976-37A7D82EF77C}"/>
-              </a:ext>
-            </a:extLst>
-          </p:cNvPr>
-          <p:cNvSpPr>
-            <a:spLocks noGrp="1"/>
-          </p:cNvSpPr>
-          <p:nvPr>
-            <p:ph idx="1"/>
-          </p:nvPr>
-        </p:nvSpPr>
         <p:spPr>
           <a:xfrm>
-            <a:off x="838200" y="1690688"/>
-            <a:ext cx="10515600" cy="4351338"/>
+            <a:off x="838200" y="365125"/>
+            <a:ext cx="9931400" cy="697057"/>
           </a:xfrm>
         </p:spPr>
         <p:txBody>
           <a:bodyPr/>
           <a:lstStyle/>
           <a:p>
-            <a:pPr marL="457200" lvl="1" indent="0">
-              <a:buNone/>
-            </a:pPr>
-            <a:endParaRPr lang="pt-BR" dirty="0"/>
+            <a:r>
+              <a:rPr lang="pt-BR" dirty="0" err="1"/>
+              <a:t>Load</a:t>
+            </a:r>
+            <a:r>
+              <a:rPr lang="pt-BR" dirty="0"/>
+              <a:t>()  - Uso de tiles</a:t>
+            </a:r>
           </a:p>
         </p:txBody>
       </p:sp>
       <p:pic>
         <p:nvPicPr>
-          <p:cNvPr id="12" name="Picture 11">
-            <a:extLst>
-              <a:ext uri="{FF2B5EF4-FFF2-40B4-BE49-F238E27FC236}">
-                <a16:creationId xmlns:a16="http://schemas.microsoft.com/office/drawing/2014/main" id="{F6334BD8-CD0F-4F3D-A194-B6747ADE6636}"/>
+          <p:cNvPr id="4" name="Content Placeholder 3">
+            <a:extLst>
+              <a:ext uri="{FF2B5EF4-FFF2-40B4-BE49-F238E27FC236}">
+                <a16:creationId xmlns:a16="http://schemas.microsoft.com/office/drawing/2014/main" id="{CA684E9A-2549-4D98-A372-4F2268E5624D}"/>
               </a:ext>
             </a:extLst>
           </p:cNvPr>
           <p:cNvPicPr>
-            <a:picLocks noChangeAspect="1"/>
+            <a:picLocks noGrp="1" noChangeAspect="1"/>
           </p:cNvPicPr>
-          <p:nvPr/>
+          <p:nvPr>
+            <p:ph idx="1"/>
+          </p:nvPr>
         </p:nvPicPr>
         <p:blipFill>
           <a:blip r:embed="rId2"/>
@@ -4835,8 +5248,68 @@
         </p:blipFill>
         <p:spPr>
           <a:xfrm>
-            <a:off x="657446" y="1415385"/>
-            <a:ext cx="5573997" cy="5077490"/>
+            <a:off x="600859" y="1062182"/>
+            <a:ext cx="6564434" cy="5332997"/>
+          </a:xfrm>
+          <a:prstGeom prst="rect">
+            <a:avLst/>
+          </a:prstGeom>
+        </p:spPr>
+      </p:pic>
+      <p:pic>
+        <p:nvPicPr>
+          <p:cNvPr id="5" name="Picture 4">
+            <a:extLst>
+              <a:ext uri="{FF2B5EF4-FFF2-40B4-BE49-F238E27FC236}">
+                <a16:creationId xmlns:a16="http://schemas.microsoft.com/office/drawing/2014/main" id="{2FDB1832-1724-4BED-B5B3-C1C8B0924E98}"/>
+              </a:ext>
+            </a:extLst>
+          </p:cNvPr>
+          <p:cNvPicPr>
+            <a:picLocks noChangeAspect="1"/>
+          </p:cNvPicPr>
+          <p:nvPr/>
+        </p:nvPicPr>
+        <p:blipFill>
+          <a:blip r:embed="rId3"/>
+          <a:stretch>
+            <a:fillRect/>
+          </a:stretch>
+        </p:blipFill>
+        <p:spPr>
+          <a:xfrm>
+            <a:off x="535709" y="6342715"/>
+            <a:ext cx="12192000" cy="1030569"/>
+          </a:xfrm>
+          <a:prstGeom prst="rect">
+            <a:avLst/>
+          </a:prstGeom>
+        </p:spPr>
+      </p:pic>
+      <p:pic>
+        <p:nvPicPr>
+          <p:cNvPr id="8" name="Picture 7">
+            <a:extLst>
+              <a:ext uri="{FF2B5EF4-FFF2-40B4-BE49-F238E27FC236}">
+                <a16:creationId xmlns:a16="http://schemas.microsoft.com/office/drawing/2014/main" id="{D597D978-01FE-483A-A08D-B0CF4ACAD51A}"/>
+              </a:ext>
+            </a:extLst>
+          </p:cNvPr>
+          <p:cNvPicPr>
+            <a:picLocks noChangeAspect="1"/>
+          </p:cNvPicPr>
+          <p:nvPr/>
+        </p:nvPicPr>
+        <p:blipFill>
+          <a:blip r:embed="rId4"/>
+          <a:stretch>
+            <a:fillRect/>
+          </a:stretch>
+        </p:blipFill>
+        <p:spPr>
+          <a:xfrm>
+            <a:off x="4304867" y="1142855"/>
+            <a:ext cx="7369897" cy="2204963"/>
           </a:xfrm>
           <a:prstGeom prst="rect">
             <a:avLst/>
@@ -4846,7 +5319,133 @@
     </p:spTree>
     <p:extLst>
       <p:ext uri="{BB962C8B-B14F-4D97-AF65-F5344CB8AC3E}">
-        <p14:creationId xmlns:p14="http://schemas.microsoft.com/office/powerpoint/2010/main" val="3441606456"/>
+        <p14:creationId xmlns:p14="http://schemas.microsoft.com/office/powerpoint/2010/main" val="3055149822"/>
+      </p:ext>
+    </p:extLst>
+  </p:cSld>
+  <p:clrMapOvr>
+    <a:masterClrMapping/>
+  </p:clrMapOvr>
+</p:sld>
+</file>
+
+<file path=ppt/slides/slide8.xml><?xml version="1.0" encoding="utf-8"?>
+<p:sld xmlns:a="http://schemas.openxmlformats.org/drawingml/2006/main" xmlns:r="http://schemas.openxmlformats.org/officeDocument/2006/relationships" xmlns:p="http://schemas.openxmlformats.org/presentationml/2006/main">
+  <p:cSld>
+    <p:spTree>
+      <p:nvGrpSpPr>
+        <p:cNvPr id="1" name=""/>
+        <p:cNvGrpSpPr/>
+        <p:nvPr/>
+      </p:nvGrpSpPr>
+      <p:grpSpPr>
+        <a:xfrm>
+          <a:off x="0" y="0"/>
+          <a:ext cx="0" cy="0"/>
+          <a:chOff x="0" y="0"/>
+          <a:chExt cx="0" cy="0"/>
+        </a:xfrm>
+      </p:grpSpPr>
+      <p:sp>
+        <p:nvSpPr>
+          <p:cNvPr id="2" name="Title 1">
+            <a:extLst>
+              <a:ext uri="{FF2B5EF4-FFF2-40B4-BE49-F238E27FC236}">
+                <a16:creationId xmlns:a16="http://schemas.microsoft.com/office/drawing/2014/main" id="{52C7E21E-FEBE-4819-A775-D0D045FE4824}"/>
+              </a:ext>
+            </a:extLst>
+          </p:cNvPr>
+          <p:cNvSpPr>
+            <a:spLocks noGrp="1"/>
+          </p:cNvSpPr>
+          <p:nvPr>
+            <p:ph type="title"/>
+          </p:nvPr>
+        </p:nvSpPr>
+        <p:spPr/>
+        <p:txBody>
+          <a:bodyPr/>
+          <a:lstStyle/>
+          <a:p>
+            <a:r>
+              <a:rPr lang="pt-BR" dirty="0"/>
+              <a:t>Multiplayer</a:t>
+            </a:r>
+          </a:p>
+        </p:txBody>
+      </p:sp>
+      <p:sp>
+        <p:nvSpPr>
+          <p:cNvPr id="6" name="Content Placeholder 5">
+            <a:extLst>
+              <a:ext uri="{FF2B5EF4-FFF2-40B4-BE49-F238E27FC236}">
+                <a16:creationId xmlns:a16="http://schemas.microsoft.com/office/drawing/2014/main" id="{7D069CBF-B4A8-430C-8976-37A7D82EF77C}"/>
+              </a:ext>
+            </a:extLst>
+          </p:cNvPr>
+          <p:cNvSpPr>
+            <a:spLocks noGrp="1"/>
+          </p:cNvSpPr>
+          <p:nvPr>
+            <p:ph idx="1"/>
+          </p:nvPr>
+        </p:nvSpPr>
+        <p:spPr>
+          <a:xfrm>
+            <a:off x="838200" y="1690688"/>
+            <a:ext cx="10515600" cy="4351338"/>
+          </a:xfrm>
+        </p:spPr>
+        <p:txBody>
+          <a:bodyPr/>
+          <a:lstStyle/>
+          <a:p>
+            <a:pPr marL="457200" lvl="1" indent="0">
+              <a:buNone/>
+            </a:pPr>
+            <a:r>
+              <a:rPr lang="pt-BR" dirty="0"/>
+              <a:t>Usamos o </a:t>
+            </a:r>
+            <a:r>
+              <a:rPr lang="pt-BR" dirty="0" err="1"/>
+              <a:t>mqtt</a:t>
+            </a:r>
+            <a:r>
+              <a:rPr lang="pt-BR" dirty="0"/>
+              <a:t> para fazer os jogadores se comunicarem online.</a:t>
+            </a:r>
+          </a:p>
+          <a:p>
+            <a:pPr marL="457200" lvl="1" indent="0">
+              <a:buNone/>
+            </a:pPr>
+            <a:r>
+              <a:rPr lang="pt-BR" dirty="0"/>
+              <a:t>	Os jogadores enviam mensagem para o outro cliente de sua posição e da posição da bombas que criaram. Assim o outro cliente sabe sempre aonde esta o outro player e cria a bomba que o inimigo criou no seu próprio cliente. Assim a destruição e animações da bombas acontecem igualmente nos dois clientes.</a:t>
+            </a:r>
+          </a:p>
+          <a:p>
+            <a:pPr marL="457200" lvl="1" indent="0">
+              <a:buNone/>
+            </a:pPr>
+            <a:endParaRPr lang="pt-BR" dirty="0"/>
+          </a:p>
+          <a:p>
+            <a:pPr marL="457200" lvl="1" indent="0">
+              <a:buNone/>
+            </a:pPr>
+            <a:r>
+              <a:rPr lang="pt-BR" dirty="0"/>
+              <a:t>Porém tivemos dificuldade em ter constância perfeita. Pois o algumas vezes o cliente não tratava todas as mensagem, pulando algumas posições do player, e se ele pular a mensagem de criação da bomba, ele perdia essa informação, perdendo as consequências da bomba e da destruição causada por ela.</a:t>
+            </a:r>
+          </a:p>
+        </p:txBody>
+      </p:sp>
+    </p:spTree>
+    <p:extLst>
+      <p:ext uri="{BB962C8B-B14F-4D97-AF65-F5344CB8AC3E}">
+        <p14:creationId xmlns:p14="http://schemas.microsoft.com/office/powerpoint/2010/main" val="3087570969"/>
       </p:ext>
     </p:extLst>
   </p:cSld>
